--- a/wiki/kubernetes介绍.pptx
+++ b/wiki/kubernetes介绍.pptx
@@ -116,7 +116,7 @@
   </p:defaultTextStyle>
   <p:extLst>
     <p:ext uri="{EFAFB233-063F-42B5-8137-9DF3F51BA10A}">
-      <p15:sldGuideLst xmlns:p15="http://schemas.microsoft.com/office/powerpoint/2012/main" xmlns="">
+      <p15:sldGuideLst xmlns="" xmlns:p15="http://schemas.microsoft.com/office/powerpoint/2012/main">
         <p15:guide id="1" orient="horz" pos="2160">
           <p15:clr>
             <a:srgbClr val="A4A3A4"/>
@@ -3879,7 +3879,6 @@
               <a:rPr lang="zh-CN" altLang="en-US" dirty="0"/>
               <a:t>介绍</a:t>
             </a:r>
-            <a:endParaRPr lang="zh-CN" altLang="en-US" dirty="0"/>
           </a:p>
         </p:txBody>
       </p:sp>
@@ -4014,11 +4013,7 @@
             </a:r>
             <a:r>
               <a:rPr lang="zh-CN" altLang="en-US" dirty="0" smtClean="0"/>
-              <a:t>地址</a:t>
-            </a:r>
-            <a:r>
-              <a:rPr lang="zh-CN" altLang="en-US" dirty="0" smtClean="0"/>
-              <a:t>：</a:t>
+              <a:t>地址：</a:t>
             </a:r>
             <a:r>
               <a:rPr lang="en-US" altLang="zh-CN" sz="2000" dirty="0">
@@ -4690,7 +4685,7 @@
       </p:sp>
       <p:pic>
         <p:nvPicPr>
-          <p:cNvPr id="1026" name="Picture 2"/>
+          <p:cNvPr id="1027" name="Picture 3"/>
           <p:cNvPicPr>
             <a:picLocks noGrp="1" noChangeAspect="1" noChangeArrowheads="1"/>
           </p:cNvPicPr>
@@ -4713,8 +4708,8 @@
         </p:blipFill>
         <p:spPr bwMode="auto">
           <a:xfrm>
-            <a:off x="457200" y="1638965"/>
-            <a:ext cx="8229600" cy="4448432"/>
+            <a:off x="457200" y="1680724"/>
+            <a:ext cx="8229600" cy="4364915"/>
           </a:xfrm>
           <a:prstGeom prst="rect">
             <a:avLst/>
@@ -4822,7 +4817,6 @@
               <a:rPr lang="en-US" altLang="zh-CN" sz="3000" dirty="0"/>
               <a:t>https://kubernetes.io/docs/reference/generated/kubernetes-api/v1.10/</a:t>
             </a:r>
-            <a:endParaRPr lang="en-US" altLang="zh-CN" sz="3000" dirty="0"/>
           </a:p>
           <a:p>
             <a:r>

--- a/wiki/kubernetes介绍.pptx
+++ b/wiki/kubernetes介绍.pptx
@@ -116,7 +116,7 @@
   </p:defaultTextStyle>
   <p:extLst>
     <p:ext uri="{EFAFB233-063F-42B5-8137-9DF3F51BA10A}">
-      <p15:sldGuideLst xmlns="" xmlns:p15="http://schemas.microsoft.com/office/powerpoint/2012/main">
+      <p15:sldGuideLst xmlns:p15="http://schemas.microsoft.com/office/powerpoint/2012/main" xmlns="">
         <p15:guide id="1" orient="horz" pos="2160">
           <p15:clr>
             <a:srgbClr val="A4A3A4"/>
@@ -215,7 +215,8 @@
           <a:p>
             <a:fld id="{AA6F8CB5-6175-41F5-A2EB-8A7DCC79337E}" type="datetimeFigureOut">
               <a:rPr lang="zh-CN" altLang="en-US" smtClean="0"/>
-              <a:t>2018/6/15</a:t>
+              <a:pPr/>
+              <a:t>2018/6/17</a:t>
             </a:fld>
             <a:endParaRPr lang="zh-CN" altLang="en-US"/>
           </a:p>
@@ -374,6 +375,7 @@
           <a:p>
             <a:fld id="{FFC1F83C-3EF2-4E74-83EE-3D1DAC957ECD}" type="slidenum">
               <a:rPr lang="zh-CN" altLang="en-US" smtClean="0"/>
+              <a:pPr/>
               <a:t>‹#›</a:t>
             </a:fld>
             <a:endParaRPr lang="zh-CN" altLang="en-US"/>
@@ -383,7 +385,7 @@
     </p:spTree>
     <p:extLst>
       <p:ext uri="{BB962C8B-B14F-4D97-AF65-F5344CB8AC3E}">
-        <p14:creationId xmlns:p14="http://schemas.microsoft.com/office/powerpoint/2010/main" val="3606731932"/>
+        <p14:creationId xmlns:p14="http://schemas.microsoft.com/office/powerpoint/2010/main" xmlns="" val="3606731932"/>
       </p:ext>
     </p:extLst>
   </p:cSld>
@@ -552,6 +554,7 @@
           <a:p>
             <a:fld id="{FFC1F83C-3EF2-4E74-83EE-3D1DAC957ECD}" type="slidenum">
               <a:rPr lang="zh-CN" altLang="en-US" smtClean="0"/>
+              <a:pPr/>
               <a:t>4</a:t>
             </a:fld>
             <a:endParaRPr lang="zh-CN" altLang="en-US"/>
@@ -561,7 +564,7 @@
     </p:spTree>
     <p:extLst>
       <p:ext uri="{BB962C8B-B14F-4D97-AF65-F5344CB8AC3E}">
-        <p14:creationId xmlns:p14="http://schemas.microsoft.com/office/powerpoint/2010/main" val="2408020617"/>
+        <p14:creationId xmlns:p14="http://schemas.microsoft.com/office/powerpoint/2010/main" xmlns="" val="2408020617"/>
       </p:ext>
     </p:extLst>
   </p:cSld>
@@ -640,6 +643,7 @@
           <a:p>
             <a:fld id="{FFC1F83C-3EF2-4E74-83EE-3D1DAC957ECD}" type="slidenum">
               <a:rPr lang="zh-CN" altLang="en-US" smtClean="0"/>
+              <a:pPr/>
               <a:t>5</a:t>
             </a:fld>
             <a:endParaRPr lang="zh-CN" altLang="en-US"/>
@@ -649,7 +653,7 @@
     </p:spTree>
     <p:extLst>
       <p:ext uri="{BB962C8B-B14F-4D97-AF65-F5344CB8AC3E}">
-        <p14:creationId xmlns:p14="http://schemas.microsoft.com/office/powerpoint/2010/main" val="2408020617"/>
+        <p14:creationId xmlns:p14="http://schemas.microsoft.com/office/powerpoint/2010/main" xmlns="" val="2408020617"/>
       </p:ext>
     </p:extLst>
   </p:cSld>
@@ -728,6 +732,7 @@
           <a:p>
             <a:fld id="{FFC1F83C-3EF2-4E74-83EE-3D1DAC957ECD}" type="slidenum">
               <a:rPr lang="zh-CN" altLang="en-US" smtClean="0"/>
+              <a:pPr/>
               <a:t>6</a:t>
             </a:fld>
             <a:endParaRPr lang="zh-CN" altLang="en-US"/>
@@ -737,7 +742,7 @@
     </p:spTree>
     <p:extLst>
       <p:ext uri="{BB962C8B-B14F-4D97-AF65-F5344CB8AC3E}">
-        <p14:creationId xmlns:p14="http://schemas.microsoft.com/office/powerpoint/2010/main" val="2408020617"/>
+        <p14:creationId xmlns:p14="http://schemas.microsoft.com/office/powerpoint/2010/main" xmlns="" val="2408020617"/>
       </p:ext>
     </p:extLst>
   </p:cSld>
@@ -816,6 +821,7 @@
           <a:p>
             <a:fld id="{FFC1F83C-3EF2-4E74-83EE-3D1DAC957ECD}" type="slidenum">
               <a:rPr lang="zh-CN" altLang="en-US" smtClean="0"/>
+              <a:pPr/>
               <a:t>7</a:t>
             </a:fld>
             <a:endParaRPr lang="zh-CN" altLang="en-US"/>
@@ -825,7 +831,7 @@
     </p:spTree>
     <p:extLst>
       <p:ext uri="{BB962C8B-B14F-4D97-AF65-F5344CB8AC3E}">
-        <p14:creationId xmlns:p14="http://schemas.microsoft.com/office/powerpoint/2010/main" val="2408020617"/>
+        <p14:creationId xmlns:p14="http://schemas.microsoft.com/office/powerpoint/2010/main" xmlns="" val="2408020617"/>
       </p:ext>
     </p:extLst>
   </p:cSld>
@@ -904,6 +910,7 @@
           <a:p>
             <a:fld id="{FFC1F83C-3EF2-4E74-83EE-3D1DAC957ECD}" type="slidenum">
               <a:rPr lang="zh-CN" altLang="en-US" smtClean="0"/>
+              <a:pPr/>
               <a:t>8</a:t>
             </a:fld>
             <a:endParaRPr lang="zh-CN" altLang="en-US"/>
@@ -913,7 +920,7 @@
     </p:spTree>
     <p:extLst>
       <p:ext uri="{BB962C8B-B14F-4D97-AF65-F5344CB8AC3E}">
-        <p14:creationId xmlns:p14="http://schemas.microsoft.com/office/powerpoint/2010/main" val="2408020617"/>
+        <p14:creationId xmlns:p14="http://schemas.microsoft.com/office/powerpoint/2010/main" xmlns="" val="2408020617"/>
       </p:ext>
     </p:extLst>
   </p:cSld>
@@ -1104,7 +1111,8 @@
           <a:p>
             <a:fld id="{530820CF-B880-4189-942D-D702A7CBA730}" type="datetimeFigureOut">
               <a:rPr lang="zh-CN" altLang="en-US" smtClean="0"/>
-              <a:t>2018/6/15</a:t>
+              <a:pPr/>
+              <a:t>2018/6/17</a:t>
             </a:fld>
             <a:endParaRPr lang="zh-CN" altLang="en-US"/>
           </a:p>
@@ -1146,6 +1154,7 @@
           <a:p>
             <a:fld id="{0C913308-F349-4B6D-A68A-DD1791B4A57B}" type="slidenum">
               <a:rPr lang="zh-CN" altLang="en-US" smtClean="0"/>
+              <a:pPr/>
               <a:t>‹#›</a:t>
             </a:fld>
             <a:endParaRPr lang="zh-CN" altLang="en-US"/>
@@ -1269,7 +1278,8 @@
           <a:p>
             <a:fld id="{530820CF-B880-4189-942D-D702A7CBA730}" type="datetimeFigureOut">
               <a:rPr lang="zh-CN" altLang="en-US" smtClean="0"/>
-              <a:t>2018/6/15</a:t>
+              <a:pPr/>
+              <a:t>2018/6/17</a:t>
             </a:fld>
             <a:endParaRPr lang="zh-CN" altLang="en-US"/>
           </a:p>
@@ -1311,6 +1321,7 @@
           <a:p>
             <a:fld id="{0C913308-F349-4B6D-A68A-DD1791B4A57B}" type="slidenum">
               <a:rPr lang="zh-CN" altLang="en-US" smtClean="0"/>
+              <a:pPr/>
               <a:t>‹#›</a:t>
             </a:fld>
             <a:endParaRPr lang="zh-CN" altLang="en-US"/>
@@ -1444,7 +1455,8 @@
           <a:p>
             <a:fld id="{530820CF-B880-4189-942D-D702A7CBA730}" type="datetimeFigureOut">
               <a:rPr lang="zh-CN" altLang="en-US" smtClean="0"/>
-              <a:t>2018/6/15</a:t>
+              <a:pPr/>
+              <a:t>2018/6/17</a:t>
             </a:fld>
             <a:endParaRPr lang="zh-CN" altLang="en-US"/>
           </a:p>
@@ -1486,6 +1498,7 @@
           <a:p>
             <a:fld id="{0C913308-F349-4B6D-A68A-DD1791B4A57B}" type="slidenum">
               <a:rPr lang="zh-CN" altLang="en-US" smtClean="0"/>
+              <a:pPr/>
               <a:t>‹#›</a:t>
             </a:fld>
             <a:endParaRPr lang="zh-CN" altLang="en-US"/>
@@ -1609,7 +1622,8 @@
           <a:p>
             <a:fld id="{530820CF-B880-4189-942D-D702A7CBA730}" type="datetimeFigureOut">
               <a:rPr lang="zh-CN" altLang="en-US" smtClean="0"/>
-              <a:t>2018/6/15</a:t>
+              <a:pPr/>
+              <a:t>2018/6/17</a:t>
             </a:fld>
             <a:endParaRPr lang="zh-CN" altLang="en-US"/>
           </a:p>
@@ -1651,6 +1665,7 @@
           <a:p>
             <a:fld id="{0C913308-F349-4B6D-A68A-DD1791B4A57B}" type="slidenum">
               <a:rPr lang="zh-CN" altLang="en-US" smtClean="0"/>
+              <a:pPr/>
               <a:t>‹#›</a:t>
             </a:fld>
             <a:endParaRPr lang="zh-CN" altLang="en-US"/>
@@ -1850,7 +1865,8 @@
           <a:p>
             <a:fld id="{530820CF-B880-4189-942D-D702A7CBA730}" type="datetimeFigureOut">
               <a:rPr lang="zh-CN" altLang="en-US" smtClean="0"/>
-              <a:t>2018/6/15</a:t>
+              <a:pPr/>
+              <a:t>2018/6/17</a:t>
             </a:fld>
             <a:endParaRPr lang="zh-CN" altLang="en-US"/>
           </a:p>
@@ -1892,6 +1908,7 @@
           <a:p>
             <a:fld id="{0C913308-F349-4B6D-A68A-DD1791B4A57B}" type="slidenum">
               <a:rPr lang="zh-CN" altLang="en-US" smtClean="0"/>
+              <a:pPr/>
               <a:t>‹#›</a:t>
             </a:fld>
             <a:endParaRPr lang="zh-CN" altLang="en-US"/>
@@ -2133,7 +2150,8 @@
           <a:p>
             <a:fld id="{530820CF-B880-4189-942D-D702A7CBA730}" type="datetimeFigureOut">
               <a:rPr lang="zh-CN" altLang="en-US" smtClean="0"/>
-              <a:t>2018/6/15</a:t>
+              <a:pPr/>
+              <a:t>2018/6/17</a:t>
             </a:fld>
             <a:endParaRPr lang="zh-CN" altLang="en-US"/>
           </a:p>
@@ -2175,6 +2193,7 @@
           <a:p>
             <a:fld id="{0C913308-F349-4B6D-A68A-DD1791B4A57B}" type="slidenum">
               <a:rPr lang="zh-CN" altLang="en-US" smtClean="0"/>
+              <a:pPr/>
               <a:t>‹#›</a:t>
             </a:fld>
             <a:endParaRPr lang="zh-CN" altLang="en-US"/>
@@ -2550,7 +2569,8 @@
           <a:p>
             <a:fld id="{530820CF-B880-4189-942D-D702A7CBA730}" type="datetimeFigureOut">
               <a:rPr lang="zh-CN" altLang="en-US" smtClean="0"/>
-              <a:t>2018/6/15</a:t>
+              <a:pPr/>
+              <a:t>2018/6/17</a:t>
             </a:fld>
             <a:endParaRPr lang="zh-CN" altLang="en-US"/>
           </a:p>
@@ -2592,6 +2612,7 @@
           <a:p>
             <a:fld id="{0C913308-F349-4B6D-A68A-DD1791B4A57B}" type="slidenum">
               <a:rPr lang="zh-CN" altLang="en-US" smtClean="0"/>
+              <a:pPr/>
               <a:t>‹#›</a:t>
             </a:fld>
             <a:endParaRPr lang="zh-CN" altLang="en-US"/>
@@ -2663,7 +2684,8 @@
           <a:p>
             <a:fld id="{530820CF-B880-4189-942D-D702A7CBA730}" type="datetimeFigureOut">
               <a:rPr lang="zh-CN" altLang="en-US" smtClean="0"/>
-              <a:t>2018/6/15</a:t>
+              <a:pPr/>
+              <a:t>2018/6/17</a:t>
             </a:fld>
             <a:endParaRPr lang="zh-CN" altLang="en-US"/>
           </a:p>
@@ -2705,6 +2727,7 @@
           <a:p>
             <a:fld id="{0C913308-F349-4B6D-A68A-DD1791B4A57B}" type="slidenum">
               <a:rPr lang="zh-CN" altLang="en-US" smtClean="0"/>
+              <a:pPr/>
               <a:t>‹#›</a:t>
             </a:fld>
             <a:endParaRPr lang="zh-CN" altLang="en-US"/>
@@ -2753,7 +2776,8 @@
           <a:p>
             <a:fld id="{530820CF-B880-4189-942D-D702A7CBA730}" type="datetimeFigureOut">
               <a:rPr lang="zh-CN" altLang="en-US" smtClean="0"/>
-              <a:t>2018/6/15</a:t>
+              <a:pPr/>
+              <a:t>2018/6/17</a:t>
             </a:fld>
             <a:endParaRPr lang="zh-CN" altLang="en-US"/>
           </a:p>
@@ -2795,6 +2819,7 @@
           <a:p>
             <a:fld id="{0C913308-F349-4B6D-A68A-DD1791B4A57B}" type="slidenum">
               <a:rPr lang="zh-CN" altLang="en-US" smtClean="0"/>
+              <a:pPr/>
               <a:t>‹#›</a:t>
             </a:fld>
             <a:endParaRPr lang="zh-CN" altLang="en-US"/>
@@ -3025,7 +3050,8 @@
           <a:p>
             <a:fld id="{530820CF-B880-4189-942D-D702A7CBA730}" type="datetimeFigureOut">
               <a:rPr lang="zh-CN" altLang="en-US" smtClean="0"/>
-              <a:t>2018/6/15</a:t>
+              <a:pPr/>
+              <a:t>2018/6/17</a:t>
             </a:fld>
             <a:endParaRPr lang="zh-CN" altLang="en-US"/>
           </a:p>
@@ -3067,6 +3093,7 @@
           <a:p>
             <a:fld id="{0C913308-F349-4B6D-A68A-DD1791B4A57B}" type="slidenum">
               <a:rPr lang="zh-CN" altLang="en-US" smtClean="0"/>
+              <a:pPr/>
               <a:t>‹#›</a:t>
             </a:fld>
             <a:endParaRPr lang="zh-CN" altLang="en-US"/>
@@ -3273,7 +3300,8 @@
           <a:p>
             <a:fld id="{530820CF-B880-4189-942D-D702A7CBA730}" type="datetimeFigureOut">
               <a:rPr lang="zh-CN" altLang="en-US" smtClean="0"/>
-              <a:t>2018/6/15</a:t>
+              <a:pPr/>
+              <a:t>2018/6/17</a:t>
             </a:fld>
             <a:endParaRPr lang="zh-CN" altLang="en-US"/>
           </a:p>
@@ -3315,6 +3343,7 @@
           <a:p>
             <a:fld id="{0C913308-F349-4B6D-A68A-DD1791B4A57B}" type="slidenum">
               <a:rPr lang="zh-CN" altLang="en-US" smtClean="0"/>
+              <a:pPr/>
               <a:t>‹#›</a:t>
             </a:fld>
             <a:endParaRPr lang="zh-CN" altLang="en-US"/>
@@ -3335,7 +3364,7 @@
     <p:bg>
       <p:bgPr>
         <a:blipFill dpi="0" rotWithShape="1">
-          <a:blip r:embed="rId13"/>
+          <a:blip r:embed="rId13" cstate="print"/>
           <a:srcRect/>
           <a:tile tx="0" ty="0" sx="100000" sy="100000" flip="none" algn="tl"/>
         </a:blipFill>
@@ -3486,7 +3515,8 @@
           <a:p>
             <a:fld id="{530820CF-B880-4189-942D-D702A7CBA730}" type="datetimeFigureOut">
               <a:rPr lang="zh-CN" altLang="en-US" smtClean="0"/>
-              <a:t>2018/6/15</a:t>
+              <a:pPr/>
+              <a:t>2018/6/17</a:t>
             </a:fld>
             <a:endParaRPr lang="zh-CN" altLang="en-US"/>
           </a:p>
@@ -3564,6 +3594,7 @@
           <a:p>
             <a:fld id="{0C913308-F349-4B6D-A68A-DD1791B4A57B}" type="slidenum">
               <a:rPr lang="zh-CN" altLang="en-US" smtClean="0"/>
+              <a:pPr/>
               <a:t>‹#›</a:t>
             </a:fld>
             <a:endParaRPr lang="zh-CN" altLang="en-US"/>
@@ -3929,7 +3960,7 @@
     </p:spTree>
     <p:extLst>
       <p:ext uri="{BB962C8B-B14F-4D97-AF65-F5344CB8AC3E}">
-        <p14:creationId xmlns:p14="http://schemas.microsoft.com/office/powerpoint/2010/main" val="4141934279"/>
+        <p14:creationId xmlns:p14="http://schemas.microsoft.com/office/powerpoint/2010/main" xmlns="" val="4141934279"/>
       </p:ext>
     </p:extLst>
   </p:cSld>
@@ -4150,7 +4181,7 @@
     </p:spTree>
     <p:extLst>
       <p:ext uri="{BB962C8B-B14F-4D97-AF65-F5344CB8AC3E}">
-        <p14:creationId xmlns:p14="http://schemas.microsoft.com/office/powerpoint/2010/main" val="4104721695"/>
+        <p14:creationId xmlns:p14="http://schemas.microsoft.com/office/powerpoint/2010/main" xmlns="" val="4104721695"/>
       </p:ext>
     </p:extLst>
   </p:cSld>
@@ -4398,7 +4429,7 @@
     </p:spTree>
     <p:extLst>
       <p:ext uri="{BB962C8B-B14F-4D97-AF65-F5344CB8AC3E}">
-        <p14:creationId xmlns:p14="http://schemas.microsoft.com/office/powerpoint/2010/main" val="2699860858"/>
+        <p14:creationId xmlns:p14="http://schemas.microsoft.com/office/powerpoint/2010/main" xmlns="" val="2699860858"/>
       </p:ext>
     </p:extLst>
   </p:cSld>
@@ -4633,7 +4664,7 @@
     </p:spTree>
     <p:extLst>
       <p:ext uri="{BB962C8B-B14F-4D97-AF65-F5344CB8AC3E}">
-        <p14:creationId xmlns:p14="http://schemas.microsoft.com/office/powerpoint/2010/main" val="1683404287"/>
+        <p14:creationId xmlns:p14="http://schemas.microsoft.com/office/powerpoint/2010/main" xmlns="" val="1683404287"/>
       </p:ext>
     </p:extLst>
   </p:cSld>
@@ -4685,7 +4716,7 @@
       </p:sp>
       <p:pic>
         <p:nvPicPr>
-          <p:cNvPr id="1027" name="Picture 3"/>
+          <p:cNvPr id="3" name="Picture 3"/>
           <p:cNvPicPr>
             <a:picLocks noGrp="1" noChangeAspect="1" noChangeArrowheads="1"/>
           </p:cNvPicPr>
@@ -4694,13 +4725,7 @@
           </p:nvPr>
         </p:nvPicPr>
         <p:blipFill>
-          <a:blip r:embed="rId3">
-            <a:extLst>
-              <a:ext uri="{28A0092B-C50C-407E-A947-70E740481C1C}">
-                <a14:useLocalDpi xmlns:a14="http://schemas.microsoft.com/office/drawing/2010/main" val="0"/>
-              </a:ext>
-            </a:extLst>
-          </a:blip>
+          <a:blip r:embed="rId3" cstate="print"/>
           <a:srcRect/>
           <a:stretch>
             <a:fillRect/>
@@ -4708,41 +4733,25 @@
         </p:blipFill>
         <p:spPr bwMode="auto">
           <a:xfrm>
-            <a:off x="457200" y="1680724"/>
-            <a:ext cx="8229600" cy="4364915"/>
+            <a:off x="934810" y="1600200"/>
+            <a:ext cx="7274379" cy="4525963"/>
           </a:xfrm>
           <a:prstGeom prst="rect">
             <a:avLst/>
           </a:prstGeom>
           <a:noFill/>
-          <a:ln>
+          <a:ln w="9525">
             <a:noFill/>
+            <a:miter lim="800000"/>
+            <a:headEnd/>
+            <a:tailEnd/>
           </a:ln>
-          <a:extLst>
-            <a:ext uri="{909E8E84-426E-40DD-AFC4-6F175D3DCCD1}">
-              <a14:hiddenFill xmlns:a14="http://schemas.microsoft.com/office/drawing/2010/main">
-                <a:solidFill>
-                  <a:schemeClr val="accent1"/>
-                </a:solidFill>
-              </a14:hiddenFill>
-            </a:ext>
-            <a:ext uri="{91240B29-F687-4F45-9708-019B960494DF}">
-              <a14:hiddenLine xmlns:a14="http://schemas.microsoft.com/office/drawing/2010/main" w="9525">
-                <a:solidFill>
-                  <a:schemeClr val="tx1"/>
-                </a:solidFill>
-                <a:miter lim="800000"/>
-                <a:headEnd/>
-                <a:tailEnd/>
-              </a14:hiddenLine>
-            </a:ext>
-          </a:extLst>
         </p:spPr>
       </p:pic>
     </p:spTree>
     <p:extLst>
       <p:ext uri="{BB962C8B-B14F-4D97-AF65-F5344CB8AC3E}">
-        <p14:creationId xmlns:p14="http://schemas.microsoft.com/office/powerpoint/2010/main" val="2911876898"/>
+        <p14:creationId xmlns:p14="http://schemas.microsoft.com/office/powerpoint/2010/main" xmlns="" val="2911876898"/>
       </p:ext>
     </p:extLst>
   </p:cSld>
@@ -4834,7 +4843,7 @@
     </p:spTree>
     <p:extLst>
       <p:ext uri="{BB962C8B-B14F-4D97-AF65-F5344CB8AC3E}">
-        <p14:creationId xmlns:p14="http://schemas.microsoft.com/office/powerpoint/2010/main" val="1104989642"/>
+        <p14:creationId xmlns:p14="http://schemas.microsoft.com/office/powerpoint/2010/main" xmlns="" val="1104989642"/>
       </p:ext>
     </p:extLst>
   </p:cSld>
@@ -5133,7 +5142,7 @@
     </p:spTree>
     <p:extLst>
       <p:ext uri="{BB962C8B-B14F-4D97-AF65-F5344CB8AC3E}">
-        <p14:creationId xmlns:p14="http://schemas.microsoft.com/office/powerpoint/2010/main" val="794816333"/>
+        <p14:creationId xmlns:p14="http://schemas.microsoft.com/office/powerpoint/2010/main" xmlns="" val="794816333"/>
       </p:ext>
     </p:extLst>
   </p:cSld>
@@ -5227,7 +5236,7 @@
     </p:spTree>
     <p:extLst>
       <p:ext uri="{BB962C8B-B14F-4D97-AF65-F5344CB8AC3E}">
-        <p14:creationId xmlns:p14="http://schemas.microsoft.com/office/powerpoint/2010/main" val="4236633740"/>
+        <p14:creationId xmlns:p14="http://schemas.microsoft.com/office/powerpoint/2010/main" xmlns="" val="4236633740"/>
       </p:ext>
     </p:extLst>
   </p:cSld>
